--- a/presentation20180515.pptx
+++ b/presentation20180515.pptx
@@ -7,7 +7,8 @@
   <p:sldIdLst>
     <p:sldId id="256" r:id="rId2"/>
     <p:sldId id="257" r:id="rId3"/>
-    <p:sldId id="258" r:id="rId4"/>
+    <p:sldId id="259" r:id="rId4"/>
+    <p:sldId id="258" r:id="rId5"/>
   </p:sldIdLst>
   <p:sldSz cx="12192000" cy="6858000"/>
   <p:notesSz cx="6858000" cy="9144000"/>
@@ -4548,8 +4549,8 @@
           <a:lstStyle/>
           <a:p>
             <a:r>
-              <a:rPr lang="de-DE" sz="4800"/>
-              <a:t>Aktueller Stand</a:t>
+              <a:rPr lang="de-DE" sz="4800" dirty="0"/>
+              <a:t>Das Projekt</a:t>
             </a:r>
           </a:p>
         </p:txBody>
@@ -4583,50 +4584,14 @@
           <a:lstStyle/>
           <a:p>
             <a:r>
-              <a:rPr lang="de-DE" sz="1800"/>
-              <a:t>Einrichtung der Datenbank (Azure)</a:t>
-            </a:r>
-          </a:p>
-          <a:p>
-            <a:r>
-              <a:rPr lang="de-DE" sz="1800"/>
-              <a:t>Einlesen der Lieder-Daten (getters)</a:t>
-            </a:r>
-          </a:p>
-          <a:p>
-            <a:r>
-              <a:rPr lang="de-DE" sz="1800"/>
-              <a:t>Impute Missing Values (fancyimpute)</a:t>
-            </a:r>
-          </a:p>
-          <a:p>
-            <a:r>
-              <a:rPr lang="de-DE" sz="1800"/>
-              <a:t>Analyse der vorhandenen Lieder-Daten (sklearn):</a:t>
-            </a:r>
-          </a:p>
-          <a:p>
-            <a:pPr lvl="1"/>
-            <a:r>
-              <a:rPr lang="de-DE" sz="1800"/>
-              <a:t>Clustering</a:t>
-            </a:r>
-          </a:p>
-          <a:p>
-            <a:pPr lvl="1"/>
-            <a:r>
-              <a:rPr lang="de-DE" sz="1800"/>
-              <a:t>Random-Forest</a:t>
-            </a:r>
-          </a:p>
-          <a:p>
-            <a:pPr lvl="1">
-              <a:buFont typeface="Wingdings" panose="05000000000000000000" pitchFamily="2" charset="2"/>
-              <a:buChar char="Ø"/>
-            </a:pPr>
-            <a:r>
-              <a:rPr lang="de-DE" sz="1800"/>
-              <a:t>Danceability, Energy, Loudness, Hotttnesss, Tempo</a:t>
+              <a:rPr lang="de-DE" sz="1800" dirty="0"/>
+              <a:t>Empfehlung von Musiktiteln nach Eingabe anderer Titel</a:t>
+            </a:r>
+          </a:p>
+          <a:p>
+            <a:r>
+              <a:rPr lang="de-DE" sz="1800" dirty="0"/>
+              <a:t>Inhaltsbasierte Herangehensweise</a:t>
             </a:r>
           </a:p>
         </p:txBody>
@@ -4645,6 +4610,636 @@
 </file>
 
 <file path=ppt/slides/slide3.xml><?xml version="1.0" encoding="utf-8"?>
+<p:sld xmlns:a="http://schemas.openxmlformats.org/drawingml/2006/main" xmlns:r="http://schemas.openxmlformats.org/officeDocument/2006/relationships" xmlns:p="http://schemas.openxmlformats.org/presentationml/2006/main">
+  <p:cSld>
+    <p:bg>
+      <p:bgPr>
+        <a:solidFill>
+          <a:schemeClr val="bg1"/>
+        </a:solidFill>
+        <a:effectLst/>
+      </p:bgPr>
+    </p:bg>
+    <p:spTree>
+      <p:nvGrpSpPr>
+        <p:cNvPr id="1" name=""/>
+        <p:cNvGrpSpPr/>
+        <p:nvPr/>
+      </p:nvGrpSpPr>
+      <p:grpSpPr>
+        <a:xfrm>
+          <a:off x="0" y="0"/>
+          <a:ext cx="0" cy="0"/>
+          <a:chOff x="0" y="0"/>
+          <a:chExt cx="0" cy="0"/>
+        </a:xfrm>
+      </p:grpSpPr>
+      <p:sp useBgFill="1">
+        <p:nvSpPr>
+          <p:cNvPr id="33" name="Rectangle 32">
+            <a:extLst>
+              <a:ext uri="{FF2B5EF4-FFF2-40B4-BE49-F238E27FC236}">
+                <a16:creationId xmlns:a16="http://schemas.microsoft.com/office/drawing/2014/main" id="{E4F9F79B-A093-478E-96B5-EE02BC93A858}"/>
+              </a:ext>
+              <a:ext uri="{C183D7F6-B498-43B3-948B-1728B52AA6E4}">
+                <adec:decorative xmlns:adec="http://schemas.microsoft.com/office/drawing/2017/decorative" val="1"/>
+              </a:ext>
+            </a:extLst>
+          </p:cNvPr>
+          <p:cNvSpPr>
+            <a:spLocks noGrp="1" noRot="1" noChangeAspect="1" noMove="1" noResize="1" noEditPoints="1" noAdjustHandles="1" noChangeArrowheads="1" noChangeShapeType="1" noTextEdit="1"/>
+          </p:cNvSpPr>
+          <p:nvPr>
+            <p:extLst>
+              <p:ext uri="{386F3935-93C4-4BCD-93E2-E3B085C9AB24}">
+                <p16:designElem xmlns:p16="http://schemas.microsoft.com/office/powerpoint/2015/main" val="1"/>
+              </p:ext>
+            </p:extLst>
+          </p:nvPr>
+        </p:nvSpPr>
+        <p:spPr>
+          <a:xfrm>
+            <a:off x="0" y="0"/>
+            <a:ext cx="12192000" cy="6858000"/>
+          </a:xfrm>
+          <a:prstGeom prst="rect">
+            <a:avLst/>
+          </a:prstGeom>
+          <a:ln>
+            <a:noFill/>
+          </a:ln>
+        </p:spPr>
+        <p:style>
+          <a:lnRef idx="2">
+            <a:schemeClr val="accent1">
+              <a:shade val="50000"/>
+            </a:schemeClr>
+          </a:lnRef>
+          <a:fillRef idx="1">
+            <a:schemeClr val="accent1"/>
+          </a:fillRef>
+          <a:effectRef idx="0">
+            <a:schemeClr val="accent1"/>
+          </a:effectRef>
+          <a:fontRef idx="minor">
+            <a:schemeClr val="lt1"/>
+          </a:fontRef>
+        </p:style>
+        <p:txBody>
+          <a:bodyPr rtlCol="0" anchor="ctr"/>
+          <a:lstStyle/>
+          <a:p>
+            <a:pPr marL="0" marR="0" lvl="0" indent="0" algn="ctr" defTabSz="914400" rtl="0" eaLnBrk="1" fontAlgn="auto" latinLnBrk="0" hangingPunct="1">
+              <a:lnSpc>
+                <a:spcPct val="100000"/>
+              </a:lnSpc>
+              <a:spcBef>
+                <a:spcPts val="0"/>
+              </a:spcBef>
+              <a:spcAft>
+                <a:spcPts val="0"/>
+              </a:spcAft>
+              <a:buClrTx/>
+              <a:buSzTx/>
+              <a:buFontTx/>
+              <a:buNone/>
+              <a:tabLst/>
+              <a:defRPr/>
+            </a:pPr>
+            <a:endParaRPr kumimoji="0" lang="en-US" sz="1800" b="0" i="0" u="none" strike="noStrike" kern="1200" cap="none" spc="0" normalizeH="0" baseline="0" noProof="0">
+              <a:ln>
+                <a:noFill/>
+              </a:ln>
+              <a:solidFill>
+                <a:prstClr val="white"/>
+              </a:solidFill>
+              <a:effectLst/>
+              <a:uLnTx/>
+              <a:uFillTx/>
+              <a:latin typeface="Calibri" panose="020F0502020204030204"/>
+              <a:ea typeface="+mn-ea"/>
+              <a:cs typeface="+mn-cs"/>
+            </a:endParaRPr>
+          </a:p>
+        </p:txBody>
+      </p:sp>
+      <p:cxnSp>
+        <p:nvCxnSpPr>
+          <p:cNvPr id="35" name="Straight Connector 34">
+            <a:extLst>
+              <a:ext uri="{FF2B5EF4-FFF2-40B4-BE49-F238E27FC236}">
+                <a16:creationId xmlns:a16="http://schemas.microsoft.com/office/drawing/2014/main" id="{D4C22394-EBC2-4FAF-A555-6C02D589EED7}"/>
+              </a:ext>
+              <a:ext uri="{C183D7F6-B498-43B3-948B-1728B52AA6E4}">
+                <adec:decorative xmlns:adec="http://schemas.microsoft.com/office/drawing/2017/decorative" val="1"/>
+              </a:ext>
+            </a:extLst>
+          </p:cNvPr>
+          <p:cNvCxnSpPr>
+            <a:cxnSpLocks noGrp="1" noRot="1" noChangeAspect="1" noMove="1" noResize="1" noEditPoints="1" noAdjustHandles="1" noChangeArrowheads="1" noChangeShapeType="1"/>
+          </p:cNvCxnSpPr>
+          <p:nvPr>
+            <p:extLst>
+              <p:ext uri="{386F3935-93C4-4BCD-93E2-E3B085C9AB24}">
+                <p16:designElem xmlns:p16="http://schemas.microsoft.com/office/powerpoint/2015/main" val="1"/>
+              </p:ext>
+            </p:extLst>
+          </p:nvPr>
+        </p:nvCxnSpPr>
+        <p:spPr>
+          <a:xfrm rot="16200000">
+            <a:off x="1508760" y="3431556"/>
+            <a:ext cx="0" cy="1737360"/>
+          </a:xfrm>
+          <a:prstGeom prst="line">
+            <a:avLst/>
+          </a:prstGeom>
+          <a:ln w="19050" cap="sq">
+            <a:solidFill>
+              <a:schemeClr val="tx1"/>
+            </a:solidFill>
+          </a:ln>
+        </p:spPr>
+        <p:style>
+          <a:lnRef idx="1">
+            <a:schemeClr val="accent1"/>
+          </a:lnRef>
+          <a:fillRef idx="0">
+            <a:schemeClr val="accent1"/>
+          </a:fillRef>
+          <a:effectRef idx="0">
+            <a:schemeClr val="accent1"/>
+          </a:effectRef>
+          <a:fontRef idx="minor">
+            <a:schemeClr val="tx1"/>
+          </a:fontRef>
+        </p:style>
+      </p:cxnSp>
+      <p:sp>
+        <p:nvSpPr>
+          <p:cNvPr id="37" name="Oval 36">
+            <a:extLst>
+              <a:ext uri="{FF2B5EF4-FFF2-40B4-BE49-F238E27FC236}">
+                <a16:creationId xmlns:a16="http://schemas.microsoft.com/office/drawing/2014/main" id="{F7194F93-1F71-4A70-9DF1-28F183771111}"/>
+              </a:ext>
+              <a:ext uri="{C183D7F6-B498-43B3-948B-1728B52AA6E4}">
+                <adec:decorative xmlns:adec="http://schemas.microsoft.com/office/drawing/2017/decorative" val="1"/>
+              </a:ext>
+            </a:extLst>
+          </p:cNvPr>
+          <p:cNvSpPr>
+            <a:spLocks noGrp="1" noRot="1" noChangeAspect="1" noMove="1" noResize="1" noEditPoints="1" noAdjustHandles="1" noChangeArrowheads="1" noChangeShapeType="1" noTextEdit="1"/>
+          </p:cNvSpPr>
+          <p:nvPr>
+            <p:extLst>
+              <p:ext uri="{386F3935-93C4-4BCD-93E2-E3B085C9AB24}">
+                <p16:designElem xmlns:p16="http://schemas.microsoft.com/office/powerpoint/2015/main" val="1"/>
+              </p:ext>
+            </p:extLst>
+          </p:nvPr>
+        </p:nvSpPr>
+        <p:spPr>
+          <a:xfrm>
+            <a:off x="8732897" y="5004581"/>
+            <a:ext cx="962395" cy="962395"/>
+          </a:xfrm>
+          <a:prstGeom prst="ellipse">
+            <a:avLst/>
+          </a:prstGeom>
+          <a:solidFill>
+            <a:schemeClr val="accent1"/>
+          </a:solidFill>
+          <a:ln>
+            <a:noFill/>
+          </a:ln>
+        </p:spPr>
+        <p:style>
+          <a:lnRef idx="2">
+            <a:schemeClr val="accent1">
+              <a:shade val="50000"/>
+            </a:schemeClr>
+          </a:lnRef>
+          <a:fillRef idx="1">
+            <a:schemeClr val="accent1"/>
+          </a:fillRef>
+          <a:effectRef idx="0">
+            <a:schemeClr val="accent1"/>
+          </a:effectRef>
+          <a:fontRef idx="minor">
+            <a:schemeClr val="lt1"/>
+          </a:fontRef>
+        </p:style>
+        <p:txBody>
+          <a:bodyPr rtlCol="0" anchor="ctr"/>
+          <a:lstStyle/>
+          <a:p>
+            <a:pPr marL="0" marR="0" lvl="0" indent="0" algn="ctr" defTabSz="914400" rtl="0" eaLnBrk="1" fontAlgn="auto" latinLnBrk="0" hangingPunct="1">
+              <a:lnSpc>
+                <a:spcPct val="100000"/>
+              </a:lnSpc>
+              <a:spcBef>
+                <a:spcPts val="0"/>
+              </a:spcBef>
+              <a:spcAft>
+                <a:spcPts val="0"/>
+              </a:spcAft>
+              <a:buClrTx/>
+              <a:buSzTx/>
+              <a:buFontTx/>
+              <a:buNone/>
+              <a:tabLst/>
+              <a:defRPr/>
+            </a:pPr>
+            <a:endParaRPr kumimoji="0" lang="en-US" sz="1800" b="0" i="0" u="none" strike="noStrike" kern="1200" cap="none" spc="0" normalizeH="0" baseline="0" noProof="0">
+              <a:ln>
+                <a:noFill/>
+              </a:ln>
+              <a:solidFill>
+                <a:prstClr val="white"/>
+              </a:solidFill>
+              <a:effectLst/>
+              <a:uLnTx/>
+              <a:uFillTx/>
+              <a:latin typeface="Calibri" panose="020F0502020204030204"/>
+              <a:ea typeface="+mn-ea"/>
+              <a:cs typeface="+mn-cs"/>
+            </a:endParaRPr>
+          </a:p>
+        </p:txBody>
+      </p:sp>
+      <p:sp>
+        <p:nvSpPr>
+          <p:cNvPr id="39" name="Oval 38">
+            <a:extLst>
+              <a:ext uri="{FF2B5EF4-FFF2-40B4-BE49-F238E27FC236}">
+                <a16:creationId xmlns:a16="http://schemas.microsoft.com/office/drawing/2014/main" id="{9BBC0C84-DC2A-43AE-9576-0A44295E8B9C}"/>
+              </a:ext>
+              <a:ext uri="{C183D7F6-B498-43B3-948B-1728B52AA6E4}">
+                <adec:decorative xmlns:adec="http://schemas.microsoft.com/office/drawing/2017/decorative" val="1"/>
+              </a:ext>
+            </a:extLst>
+          </p:cNvPr>
+          <p:cNvSpPr>
+            <a:spLocks noGrp="1" noRot="1" noChangeAspect="1" noMove="1" noResize="1" noEditPoints="1" noAdjustHandles="1" noChangeArrowheads="1" noChangeShapeType="1" noTextEdit="1"/>
+          </p:cNvSpPr>
+          <p:nvPr>
+            <p:extLst>
+              <p:ext uri="{386F3935-93C4-4BCD-93E2-E3B085C9AB24}">
+                <p16:designElem xmlns:p16="http://schemas.microsoft.com/office/powerpoint/2015/main" val="1"/>
+              </p:ext>
+            </p:extLst>
+          </p:nvPr>
+        </p:nvSpPr>
+        <p:spPr>
+          <a:xfrm>
+            <a:off x="10463725" y="4865965"/>
+            <a:ext cx="293695" cy="293695"/>
+          </a:xfrm>
+          <a:prstGeom prst="ellipse">
+            <a:avLst/>
+          </a:prstGeom>
+          <a:solidFill>
+            <a:schemeClr val="accent4"/>
+          </a:solidFill>
+          <a:ln>
+            <a:noFill/>
+          </a:ln>
+        </p:spPr>
+        <p:style>
+          <a:lnRef idx="2">
+            <a:schemeClr val="accent1">
+              <a:shade val="50000"/>
+            </a:schemeClr>
+          </a:lnRef>
+          <a:fillRef idx="1">
+            <a:schemeClr val="accent1"/>
+          </a:fillRef>
+          <a:effectRef idx="0">
+            <a:schemeClr val="accent1"/>
+          </a:effectRef>
+          <a:fontRef idx="minor">
+            <a:schemeClr val="lt1"/>
+          </a:fontRef>
+        </p:style>
+        <p:txBody>
+          <a:bodyPr rtlCol="0" anchor="ctr"/>
+          <a:lstStyle/>
+          <a:p>
+            <a:pPr marL="0" marR="0" lvl="0" indent="0" algn="ctr" defTabSz="914400" rtl="0" eaLnBrk="1" fontAlgn="auto" latinLnBrk="0" hangingPunct="1">
+              <a:lnSpc>
+                <a:spcPct val="100000"/>
+              </a:lnSpc>
+              <a:spcBef>
+                <a:spcPts val="0"/>
+              </a:spcBef>
+              <a:spcAft>
+                <a:spcPts val="0"/>
+              </a:spcAft>
+              <a:buClrTx/>
+              <a:buSzTx/>
+              <a:buFontTx/>
+              <a:buNone/>
+              <a:tabLst/>
+              <a:defRPr/>
+            </a:pPr>
+            <a:endParaRPr kumimoji="0" lang="en-US" sz="1800" b="0" i="0" u="none" strike="noStrike" kern="1200" cap="none" spc="0" normalizeH="0" baseline="0" noProof="0">
+              <a:ln>
+                <a:noFill/>
+              </a:ln>
+              <a:solidFill>
+                <a:prstClr val="white"/>
+              </a:solidFill>
+              <a:effectLst/>
+              <a:uLnTx/>
+              <a:uFillTx/>
+              <a:latin typeface="Calibri" panose="020F0502020204030204"/>
+              <a:ea typeface="+mn-ea"/>
+              <a:cs typeface="+mn-cs"/>
+            </a:endParaRPr>
+          </a:p>
+        </p:txBody>
+      </p:sp>
+      <p:sp>
+        <p:nvSpPr>
+          <p:cNvPr id="41" name="Freeform: Shape 40">
+            <a:extLst>
+              <a:ext uri="{FF2B5EF4-FFF2-40B4-BE49-F238E27FC236}">
+                <a16:creationId xmlns:a16="http://schemas.microsoft.com/office/drawing/2014/main" id="{11394CD8-BD30-4B74-86F4-51FDF3383419}"/>
+              </a:ext>
+              <a:ext uri="{C183D7F6-B498-43B3-948B-1728B52AA6E4}">
+                <adec:decorative xmlns:adec="http://schemas.microsoft.com/office/drawing/2017/decorative" val="1"/>
+              </a:ext>
+            </a:extLst>
+          </p:cNvPr>
+          <p:cNvSpPr>
+            <a:spLocks noGrp="1" noRot="1" noChangeAspect="1" noMove="1" noResize="1" noEditPoints="1" noAdjustHandles="1" noChangeArrowheads="1" noChangeShapeType="1" noTextEdit="1"/>
+          </p:cNvSpPr>
+          <p:nvPr>
+            <p:extLst>
+              <p:ext uri="{386F3935-93C4-4BCD-93E2-E3B085C9AB24}">
+                <p16:designElem xmlns:p16="http://schemas.microsoft.com/office/powerpoint/2015/main" val="1"/>
+              </p:ext>
+            </p:extLst>
+          </p:nvPr>
+        </p:nvSpPr>
+        <p:spPr>
+          <a:xfrm>
+            <a:off x="6492113" y="0"/>
+            <a:ext cx="5699887" cy="4059244"/>
+          </a:xfrm>
+          <a:custGeom>
+            <a:avLst/>
+            <a:gdLst>
+              <a:gd name="connsiteX0" fmla="*/ 0 w 5699887"/>
+              <a:gd name="connsiteY0" fmla="*/ 0 h 4059244"/>
+              <a:gd name="connsiteX1" fmla="*/ 5699887 w 5699887"/>
+              <a:gd name="connsiteY1" fmla="*/ 0 h 4059244"/>
+              <a:gd name="connsiteX2" fmla="*/ 5699887 w 5699887"/>
+              <a:gd name="connsiteY2" fmla="*/ 3944096 h 4059244"/>
+              <a:gd name="connsiteX3" fmla="*/ 5525775 w 5699887"/>
+              <a:gd name="connsiteY3" fmla="*/ 3980429 h 4059244"/>
+              <a:gd name="connsiteX4" fmla="*/ 4663256 w 5699887"/>
+              <a:gd name="connsiteY4" fmla="*/ 4059244 h 4059244"/>
+              <a:gd name="connsiteX5" fmla="*/ 8566 w 5699887"/>
+              <a:gd name="connsiteY5" fmla="*/ 67422 h 4059244"/>
+            </a:gdLst>
+            <a:ahLst/>
+            <a:cxnLst>
+              <a:cxn ang="0">
+                <a:pos x="connsiteX0" y="connsiteY0"/>
+              </a:cxn>
+              <a:cxn ang="0">
+                <a:pos x="connsiteX1" y="connsiteY1"/>
+              </a:cxn>
+              <a:cxn ang="0">
+                <a:pos x="connsiteX2" y="connsiteY2"/>
+              </a:cxn>
+              <a:cxn ang="0">
+                <a:pos x="connsiteX3" y="connsiteY3"/>
+              </a:cxn>
+              <a:cxn ang="0">
+                <a:pos x="connsiteX4" y="connsiteY4"/>
+              </a:cxn>
+              <a:cxn ang="0">
+                <a:pos x="connsiteX5" y="connsiteY5"/>
+              </a:cxn>
+            </a:cxnLst>
+            <a:rect l="l" t="t" r="r" b="b"/>
+            <a:pathLst>
+              <a:path w="5699887" h="4059244">
+                <a:moveTo>
+                  <a:pt x="0" y="0"/>
+                </a:moveTo>
+                <a:lnTo>
+                  <a:pt x="5699887" y="0"/>
+                </a:lnTo>
+                <a:lnTo>
+                  <a:pt x="5699887" y="3944096"/>
+                </a:lnTo>
+                <a:lnTo>
+                  <a:pt x="5525775" y="3980429"/>
+                </a:lnTo>
+                <a:cubicBezTo>
+                  <a:pt x="5246154" y="4032190"/>
+                  <a:pt x="4957865" y="4059244"/>
+                  <a:pt x="4663256" y="4059244"/>
+                </a:cubicBezTo>
+                <a:cubicBezTo>
+                  <a:pt x="2306390" y="4059244"/>
+                  <a:pt x="353936" y="2327747"/>
+                  <a:pt x="8566" y="67422"/>
+                </a:cubicBezTo>
+                <a:close/>
+              </a:path>
+            </a:pathLst>
+          </a:custGeom>
+          <a:solidFill>
+            <a:srgbClr val="595959"/>
+          </a:solidFill>
+          <a:ln>
+            <a:noFill/>
+          </a:ln>
+        </p:spPr>
+        <p:style>
+          <a:lnRef idx="2">
+            <a:schemeClr val="accent1">
+              <a:shade val="50000"/>
+            </a:schemeClr>
+          </a:lnRef>
+          <a:fillRef idx="1">
+            <a:schemeClr val="accent1"/>
+          </a:fillRef>
+          <a:effectRef idx="0">
+            <a:schemeClr val="accent1"/>
+          </a:effectRef>
+          <a:fontRef idx="minor">
+            <a:schemeClr val="lt1"/>
+          </a:fontRef>
+        </p:style>
+        <p:txBody>
+          <a:bodyPr rtlCol="0" anchor="ctr"/>
+          <a:lstStyle/>
+          <a:p>
+            <a:pPr marL="0" marR="0" lvl="0" indent="0" algn="ctr" defTabSz="914400" rtl="0" eaLnBrk="1" fontAlgn="auto" latinLnBrk="0" hangingPunct="1">
+              <a:lnSpc>
+                <a:spcPct val="100000"/>
+              </a:lnSpc>
+              <a:spcBef>
+                <a:spcPts val="0"/>
+              </a:spcBef>
+              <a:spcAft>
+                <a:spcPts val="0"/>
+              </a:spcAft>
+              <a:buClrTx/>
+              <a:buSzTx/>
+              <a:buFontTx/>
+              <a:buNone/>
+              <a:tabLst/>
+              <a:defRPr/>
+            </a:pPr>
+            <a:endParaRPr kumimoji="0" lang="en-US" sz="1800" b="0" i="0" u="none" strike="noStrike" kern="1200" cap="none" spc="0" normalizeH="0" baseline="0" noProof="0">
+              <a:ln>
+                <a:noFill/>
+              </a:ln>
+              <a:solidFill>
+                <a:prstClr val="white"/>
+              </a:solidFill>
+              <a:effectLst/>
+              <a:uLnTx/>
+              <a:uFillTx/>
+              <a:latin typeface="Calibri" panose="020F0502020204030204"/>
+              <a:ea typeface="+mn-ea"/>
+              <a:cs typeface="+mn-cs"/>
+            </a:endParaRPr>
+          </a:p>
+        </p:txBody>
+      </p:sp>
+      <p:sp>
+        <p:nvSpPr>
+          <p:cNvPr id="2" name="Titel 1">
+            <a:extLst>
+              <a:ext uri="{FF2B5EF4-FFF2-40B4-BE49-F238E27FC236}">
+                <a16:creationId xmlns:a16="http://schemas.microsoft.com/office/drawing/2014/main" id="{74DF1C3A-B499-42ED-ABB6-6093C2778F3D}"/>
+              </a:ext>
+            </a:extLst>
+          </p:cNvPr>
+          <p:cNvSpPr>
+            <a:spLocks noGrp="1"/>
+          </p:cNvSpPr>
+          <p:nvPr>
+            <p:ph type="title"/>
+          </p:nvPr>
+        </p:nvSpPr>
+        <p:spPr>
+          <a:xfrm>
+            <a:off x="640079" y="4526280"/>
+            <a:ext cx="7410681" cy="1737360"/>
+          </a:xfrm>
+        </p:spPr>
+        <p:txBody>
+          <a:bodyPr>
+            <a:normAutofit/>
+          </a:bodyPr>
+          <a:lstStyle/>
+          <a:p>
+            <a:r>
+              <a:rPr lang="de-DE" sz="4800"/>
+              <a:t>Aktueller Stand</a:t>
+            </a:r>
+          </a:p>
+        </p:txBody>
+      </p:sp>
+      <p:sp>
+        <p:nvSpPr>
+          <p:cNvPr id="3" name="Inhaltsplatzhalter 2">
+            <a:extLst>
+              <a:ext uri="{FF2B5EF4-FFF2-40B4-BE49-F238E27FC236}">
+                <a16:creationId xmlns:a16="http://schemas.microsoft.com/office/drawing/2014/main" id="{358E2035-D4DD-4F2B-8C31-95279623D47B}"/>
+              </a:ext>
+            </a:extLst>
+          </p:cNvPr>
+          <p:cNvSpPr>
+            <a:spLocks noGrp="1"/>
+          </p:cNvSpPr>
+          <p:nvPr>
+            <p:ph idx="1"/>
+          </p:nvPr>
+        </p:nvSpPr>
+        <p:spPr>
+          <a:xfrm>
+            <a:off x="640080" y="595293"/>
+            <a:ext cx="5676637" cy="3463951"/>
+          </a:xfrm>
+        </p:spPr>
+        <p:txBody>
+          <a:bodyPr anchor="ctr">
+            <a:normAutofit/>
+          </a:bodyPr>
+          <a:lstStyle/>
+          <a:p>
+            <a:r>
+              <a:rPr lang="de-DE" sz="1800"/>
+              <a:t>Einrichtung der Datenbank (Azure)</a:t>
+            </a:r>
+          </a:p>
+          <a:p>
+            <a:r>
+              <a:rPr lang="de-DE" sz="1800"/>
+              <a:t>Einlesen der Lieder-Daten (getters)</a:t>
+            </a:r>
+          </a:p>
+          <a:p>
+            <a:r>
+              <a:rPr lang="de-DE" sz="1800"/>
+              <a:t>Impute Missing Values (fancyimpute)</a:t>
+            </a:r>
+          </a:p>
+          <a:p>
+            <a:r>
+              <a:rPr lang="de-DE" sz="1800"/>
+              <a:t>Analyse der vorhandenen Lieder-Daten (sklearn):</a:t>
+            </a:r>
+          </a:p>
+          <a:p>
+            <a:pPr lvl="1"/>
+            <a:r>
+              <a:rPr lang="de-DE" sz="1800"/>
+              <a:t>Clustering</a:t>
+            </a:r>
+          </a:p>
+          <a:p>
+            <a:pPr lvl="1"/>
+            <a:r>
+              <a:rPr lang="de-DE" sz="1800"/>
+              <a:t>Random-Forest</a:t>
+            </a:r>
+          </a:p>
+          <a:p>
+            <a:pPr lvl="1">
+              <a:buFont typeface="Wingdings" panose="05000000000000000000" pitchFamily="2" charset="2"/>
+              <a:buChar char="Ø"/>
+            </a:pPr>
+            <a:r>
+              <a:rPr lang="de-DE" sz="1800"/>
+              <a:t>Danceability, Energy, Loudness, Hotttnesss, Tempo</a:t>
+            </a:r>
+          </a:p>
+        </p:txBody>
+      </p:sp>
+    </p:spTree>
+    <p:extLst>
+      <p:ext uri="{BB962C8B-B14F-4D97-AF65-F5344CB8AC3E}">
+        <p14:creationId xmlns:p14="http://schemas.microsoft.com/office/powerpoint/2010/main" val="1821363285"/>
+      </p:ext>
+    </p:extLst>
+  </p:cSld>
+  <p:clrMapOvr>
+    <a:masterClrMapping/>
+  </p:clrMapOvr>
+</p:sld>
+</file>
+
+<file path=ppt/slides/slide4.xml><?xml version="1.0" encoding="utf-8"?>
 <p:sld xmlns:a="http://schemas.openxmlformats.org/drawingml/2006/main" xmlns:r="http://schemas.openxmlformats.org/officeDocument/2006/relationships" xmlns:p="http://schemas.openxmlformats.org/presentationml/2006/main">
   <p:cSld>
     <p:bg>
